--- a/Web service Tarjeta Tesoro.pptx
+++ b/Web service Tarjeta Tesoro.pptx
@@ -267,7 +267,7 @@
           <a:p>
             <a:fld id="{D74FBF73-E246-4BD2-BE25-F8C59FC38CCA}" type="datetimeFigureOut">
               <a:rPr lang="es-PE" smtClean="0"/>
-              <a:t>23/08/2024</a:t>
+              <a:t>26/08/2024</a:t>
             </a:fld>
             <a:endParaRPr lang="es-PE"/>
           </a:p>
@@ -467,7 +467,7 @@
           <a:p>
             <a:fld id="{D74FBF73-E246-4BD2-BE25-F8C59FC38CCA}" type="datetimeFigureOut">
               <a:rPr lang="es-PE" smtClean="0"/>
-              <a:t>23/08/2024</a:t>
+              <a:t>26/08/2024</a:t>
             </a:fld>
             <a:endParaRPr lang="es-PE"/>
           </a:p>
@@ -677,7 +677,7 @@
           <a:p>
             <a:fld id="{D74FBF73-E246-4BD2-BE25-F8C59FC38CCA}" type="datetimeFigureOut">
               <a:rPr lang="es-PE" smtClean="0"/>
-              <a:t>23/08/2024</a:t>
+              <a:t>26/08/2024</a:t>
             </a:fld>
             <a:endParaRPr lang="es-PE"/>
           </a:p>
@@ -877,7 +877,7 @@
           <a:p>
             <a:fld id="{D74FBF73-E246-4BD2-BE25-F8C59FC38CCA}" type="datetimeFigureOut">
               <a:rPr lang="es-PE" smtClean="0"/>
-              <a:t>23/08/2024</a:t>
+              <a:t>26/08/2024</a:t>
             </a:fld>
             <a:endParaRPr lang="es-PE"/>
           </a:p>
@@ -1153,7 +1153,7 @@
           <a:p>
             <a:fld id="{D74FBF73-E246-4BD2-BE25-F8C59FC38CCA}" type="datetimeFigureOut">
               <a:rPr lang="es-PE" smtClean="0"/>
-              <a:t>23/08/2024</a:t>
+              <a:t>26/08/2024</a:t>
             </a:fld>
             <a:endParaRPr lang="es-PE"/>
           </a:p>
@@ -1421,7 +1421,7 @@
           <a:p>
             <a:fld id="{D74FBF73-E246-4BD2-BE25-F8C59FC38CCA}" type="datetimeFigureOut">
               <a:rPr lang="es-PE" smtClean="0"/>
-              <a:t>23/08/2024</a:t>
+              <a:t>26/08/2024</a:t>
             </a:fld>
             <a:endParaRPr lang="es-PE"/>
           </a:p>
@@ -1836,7 +1836,7 @@
           <a:p>
             <a:fld id="{D74FBF73-E246-4BD2-BE25-F8C59FC38CCA}" type="datetimeFigureOut">
               <a:rPr lang="es-PE" smtClean="0"/>
-              <a:t>23/08/2024</a:t>
+              <a:t>26/08/2024</a:t>
             </a:fld>
             <a:endParaRPr lang="es-PE"/>
           </a:p>
@@ -1978,7 +1978,7 @@
           <a:p>
             <a:fld id="{D74FBF73-E246-4BD2-BE25-F8C59FC38CCA}" type="datetimeFigureOut">
               <a:rPr lang="es-PE" smtClean="0"/>
-              <a:t>23/08/2024</a:t>
+              <a:t>26/08/2024</a:t>
             </a:fld>
             <a:endParaRPr lang="es-PE"/>
           </a:p>
@@ -2091,7 +2091,7 @@
           <a:p>
             <a:fld id="{D74FBF73-E246-4BD2-BE25-F8C59FC38CCA}" type="datetimeFigureOut">
               <a:rPr lang="es-PE" smtClean="0"/>
-              <a:t>23/08/2024</a:t>
+              <a:t>26/08/2024</a:t>
             </a:fld>
             <a:endParaRPr lang="es-PE"/>
           </a:p>
@@ -2404,7 +2404,7 @@
           <a:p>
             <a:fld id="{D74FBF73-E246-4BD2-BE25-F8C59FC38CCA}" type="datetimeFigureOut">
               <a:rPr lang="es-PE" smtClean="0"/>
-              <a:t>23/08/2024</a:t>
+              <a:t>26/08/2024</a:t>
             </a:fld>
             <a:endParaRPr lang="es-PE"/>
           </a:p>
@@ -2693,7 +2693,7 @@
           <a:p>
             <a:fld id="{D74FBF73-E246-4BD2-BE25-F8C59FC38CCA}" type="datetimeFigureOut">
               <a:rPr lang="es-PE" smtClean="0"/>
-              <a:t>23/08/2024</a:t>
+              <a:t>26/08/2024</a:t>
             </a:fld>
             <a:endParaRPr lang="es-PE"/>
           </a:p>
@@ -2936,7 +2936,7 @@
           <a:p>
             <a:fld id="{D74FBF73-E246-4BD2-BE25-F8C59FC38CCA}" type="datetimeFigureOut">
               <a:rPr lang="es-PE" smtClean="0"/>
-              <a:t>23/08/2024</a:t>
+              <a:t>26/08/2024</a:t>
             </a:fld>
             <a:endParaRPr lang="es-PE"/>
           </a:p>
@@ -6645,7 +6645,7 @@
         </p:nvGraphicFramePr>
         <p:xfrm>
           <a:off x="132857" y="3378468"/>
-          <a:ext cx="8128000" cy="828040"/>
+          <a:ext cx="8128000" cy="1010920"/>
         </p:xfrm>
         <a:graphic>
           <a:graphicData uri="http://schemas.openxmlformats.org/drawingml/2006/table">
@@ -9152,7 +9152,7 @@
         </p:nvSpPr>
         <p:spPr>
           <a:xfrm>
-            <a:off x="6222602" y="1949771"/>
+            <a:off x="6232818" y="1831904"/>
             <a:ext cx="3945990" cy="3046988"/>
           </a:xfrm>
           <a:prstGeom prst="rect">
